--- a/src/Docs/primitives/RdoNetOverview.pptx
+++ b/src/Docs/primitives/RdoNetOverview.pptx
@@ -243,7 +243,7 @@
           <a:p>
             <a:fld id="{E2DC313C-E62C-4C22-A1E0-847D782FC8C3}" type="datetimeFigureOut">
               <a:rPr lang="en-US" smtClean="0"/>
-              <a:t>5/22/2019</a:t>
+              <a:t>8/30/2019</a:t>
             </a:fld>
             <a:endParaRPr lang="en-US"/>
           </a:p>
@@ -413,7 +413,7 @@
           <a:p>
             <a:fld id="{E2DC313C-E62C-4C22-A1E0-847D782FC8C3}" type="datetimeFigureOut">
               <a:rPr lang="en-US" smtClean="0"/>
-              <a:t>5/22/2019</a:t>
+              <a:t>8/30/2019</a:t>
             </a:fld>
             <a:endParaRPr lang="en-US"/>
           </a:p>
@@ -593,7 +593,7 @@
           <a:p>
             <a:fld id="{E2DC313C-E62C-4C22-A1E0-847D782FC8C3}" type="datetimeFigureOut">
               <a:rPr lang="en-US" smtClean="0"/>
-              <a:t>5/22/2019</a:t>
+              <a:t>8/30/2019</a:t>
             </a:fld>
             <a:endParaRPr lang="en-US"/>
           </a:p>
@@ -763,7 +763,7 @@
           <a:p>
             <a:fld id="{E2DC313C-E62C-4C22-A1E0-847D782FC8C3}" type="datetimeFigureOut">
               <a:rPr lang="en-US" smtClean="0"/>
-              <a:t>5/22/2019</a:t>
+              <a:t>8/30/2019</a:t>
             </a:fld>
             <a:endParaRPr lang="en-US"/>
           </a:p>
@@ -1009,7 +1009,7 @@
           <a:p>
             <a:fld id="{E2DC313C-E62C-4C22-A1E0-847D782FC8C3}" type="datetimeFigureOut">
               <a:rPr lang="en-US" smtClean="0"/>
-              <a:t>5/22/2019</a:t>
+              <a:t>8/30/2019</a:t>
             </a:fld>
             <a:endParaRPr lang="en-US"/>
           </a:p>
@@ -1241,7 +1241,7 @@
           <a:p>
             <a:fld id="{E2DC313C-E62C-4C22-A1E0-847D782FC8C3}" type="datetimeFigureOut">
               <a:rPr lang="en-US" smtClean="0"/>
-              <a:t>5/22/2019</a:t>
+              <a:t>8/30/2019</a:t>
             </a:fld>
             <a:endParaRPr lang="en-US"/>
           </a:p>
@@ -1608,7 +1608,7 @@
           <a:p>
             <a:fld id="{E2DC313C-E62C-4C22-A1E0-847D782FC8C3}" type="datetimeFigureOut">
               <a:rPr lang="en-US" smtClean="0"/>
-              <a:t>5/22/2019</a:t>
+              <a:t>8/30/2019</a:t>
             </a:fld>
             <a:endParaRPr lang="en-US"/>
           </a:p>
@@ -1726,7 +1726,7 @@
           <a:p>
             <a:fld id="{E2DC313C-E62C-4C22-A1E0-847D782FC8C3}" type="datetimeFigureOut">
               <a:rPr lang="en-US" smtClean="0"/>
-              <a:t>5/22/2019</a:t>
+              <a:t>8/30/2019</a:t>
             </a:fld>
             <a:endParaRPr lang="en-US"/>
           </a:p>
@@ -1821,7 +1821,7 @@
           <a:p>
             <a:fld id="{E2DC313C-E62C-4C22-A1E0-847D782FC8C3}" type="datetimeFigureOut">
               <a:rPr lang="en-US" smtClean="0"/>
-              <a:t>5/22/2019</a:t>
+              <a:t>8/30/2019</a:t>
             </a:fld>
             <a:endParaRPr lang="en-US"/>
           </a:p>
@@ -2098,7 +2098,7 @@
           <a:p>
             <a:fld id="{E2DC313C-E62C-4C22-A1E0-847D782FC8C3}" type="datetimeFigureOut">
               <a:rPr lang="en-US" smtClean="0"/>
-              <a:t>5/22/2019</a:t>
+              <a:t>8/30/2019</a:t>
             </a:fld>
             <a:endParaRPr lang="en-US"/>
           </a:p>
@@ -2351,7 +2351,7 @@
           <a:p>
             <a:fld id="{E2DC313C-E62C-4C22-A1E0-847D782FC8C3}" type="datetimeFigureOut">
               <a:rPr lang="en-US" smtClean="0"/>
-              <a:t>5/22/2019</a:t>
+              <a:t>8/30/2019</a:t>
             </a:fld>
             <a:endParaRPr lang="en-US"/>
           </a:p>
@@ -2564,7 +2564,7 @@
           <a:p>
             <a:fld id="{E2DC313C-E62C-4C22-A1E0-847D782FC8C3}" type="datetimeFigureOut">
               <a:rPr lang="en-US" smtClean="0"/>
-              <a:t>5/22/2019</a:t>
+              <a:t>8/30/2019</a:t>
             </a:fld>
             <a:endParaRPr lang="en-US"/>
           </a:p>
@@ -3830,9 +3830,9 @@
         <p:grpSpPr>
           <a:xfrm>
             <a:off x="3865267" y="5739474"/>
-            <a:ext cx="2693056" cy="369332"/>
+            <a:ext cx="2370853" cy="369332"/>
             <a:chOff x="991319" y="1606552"/>
-            <a:chExt cx="2693056" cy="369332"/>
+            <a:chExt cx="2370853" cy="369332"/>
           </a:xfrm>
         </p:grpSpPr>
         <p:pic>
@@ -3875,7 +3875,7 @@
           <p:spPr>
             <a:xfrm>
               <a:off x="1307699" y="1606552"/>
-              <a:ext cx="2376676" cy="369332"/>
+              <a:ext cx="2054473" cy="369332"/>
             </a:xfrm>
             <a:prstGeom prst="rect">
               <a:avLst/>
@@ -3894,7 +3894,7 @@
                     <a:schemeClr val="bg1"/>
                   </a:solidFill>
                 </a:rPr>
-                <a:t>DevZest.Data.DbDesign</a:t>
+                <a:t>DevZest.Data.DbInit</a:t>
               </a:r>
               <a:endParaRPr lang="en-US" dirty="0">
                 <a:solidFill>

--- a/src/Docs/primitives/RdoNetOverview.pptx
+++ b/src/Docs/primitives/RdoNetOverview.pptx
@@ -6,6 +6,7 @@
   </p:sldMasterIdLst>
   <p:sldIdLst>
     <p:sldId id="256" r:id="rId2"/>
+    <p:sldId id="258" r:id="rId3"/>
   </p:sldIdLst>
   <p:sldSz cx="12192000" cy="6858000"/>
   <p:notesSz cx="6858000" cy="9144000"/>
@@ -243,7 +244,7 @@
           <a:p>
             <a:fld id="{E2DC313C-E62C-4C22-A1E0-847D782FC8C3}" type="datetimeFigureOut">
               <a:rPr lang="en-US" smtClean="0"/>
-              <a:t>8/30/2019</a:t>
+              <a:t>9/9/2019</a:t>
             </a:fld>
             <a:endParaRPr lang="en-US"/>
           </a:p>
@@ -413,7 +414,7 @@
           <a:p>
             <a:fld id="{E2DC313C-E62C-4C22-A1E0-847D782FC8C3}" type="datetimeFigureOut">
               <a:rPr lang="en-US" smtClean="0"/>
-              <a:t>8/30/2019</a:t>
+              <a:t>9/9/2019</a:t>
             </a:fld>
             <a:endParaRPr lang="en-US"/>
           </a:p>
@@ -593,7 +594,7 @@
           <a:p>
             <a:fld id="{E2DC313C-E62C-4C22-A1E0-847D782FC8C3}" type="datetimeFigureOut">
               <a:rPr lang="en-US" smtClean="0"/>
-              <a:t>8/30/2019</a:t>
+              <a:t>9/9/2019</a:t>
             </a:fld>
             <a:endParaRPr lang="en-US"/>
           </a:p>
@@ -763,7 +764,7 @@
           <a:p>
             <a:fld id="{E2DC313C-E62C-4C22-A1E0-847D782FC8C3}" type="datetimeFigureOut">
               <a:rPr lang="en-US" smtClean="0"/>
-              <a:t>8/30/2019</a:t>
+              <a:t>9/9/2019</a:t>
             </a:fld>
             <a:endParaRPr lang="en-US"/>
           </a:p>
@@ -1009,7 +1010,7 @@
           <a:p>
             <a:fld id="{E2DC313C-E62C-4C22-A1E0-847D782FC8C3}" type="datetimeFigureOut">
               <a:rPr lang="en-US" smtClean="0"/>
-              <a:t>8/30/2019</a:t>
+              <a:t>9/9/2019</a:t>
             </a:fld>
             <a:endParaRPr lang="en-US"/>
           </a:p>
@@ -1241,7 +1242,7 @@
           <a:p>
             <a:fld id="{E2DC313C-E62C-4C22-A1E0-847D782FC8C3}" type="datetimeFigureOut">
               <a:rPr lang="en-US" smtClean="0"/>
-              <a:t>8/30/2019</a:t>
+              <a:t>9/9/2019</a:t>
             </a:fld>
             <a:endParaRPr lang="en-US"/>
           </a:p>
@@ -1608,7 +1609,7 @@
           <a:p>
             <a:fld id="{E2DC313C-E62C-4C22-A1E0-847D782FC8C3}" type="datetimeFigureOut">
               <a:rPr lang="en-US" smtClean="0"/>
-              <a:t>8/30/2019</a:t>
+              <a:t>9/9/2019</a:t>
             </a:fld>
             <a:endParaRPr lang="en-US"/>
           </a:p>
@@ -1726,7 +1727,7 @@
           <a:p>
             <a:fld id="{E2DC313C-E62C-4C22-A1E0-847D782FC8C3}" type="datetimeFigureOut">
               <a:rPr lang="en-US" smtClean="0"/>
-              <a:t>8/30/2019</a:t>
+              <a:t>9/9/2019</a:t>
             </a:fld>
             <a:endParaRPr lang="en-US"/>
           </a:p>
@@ -1821,7 +1822,7 @@
           <a:p>
             <a:fld id="{E2DC313C-E62C-4C22-A1E0-847D782FC8C3}" type="datetimeFigureOut">
               <a:rPr lang="en-US" smtClean="0"/>
-              <a:t>8/30/2019</a:t>
+              <a:t>9/9/2019</a:t>
             </a:fld>
             <a:endParaRPr lang="en-US"/>
           </a:p>
@@ -2098,7 +2099,7 @@
           <a:p>
             <a:fld id="{E2DC313C-E62C-4C22-A1E0-847D782FC8C3}" type="datetimeFigureOut">
               <a:rPr lang="en-US" smtClean="0"/>
-              <a:t>8/30/2019</a:t>
+              <a:t>9/9/2019</a:t>
             </a:fld>
             <a:endParaRPr lang="en-US"/>
           </a:p>
@@ -2351,7 +2352,7 @@
           <a:p>
             <a:fld id="{E2DC313C-E62C-4C22-A1E0-847D782FC8C3}" type="datetimeFigureOut">
               <a:rPr lang="en-US" smtClean="0"/>
-              <a:t>8/30/2019</a:t>
+              <a:t>9/9/2019</a:t>
             </a:fld>
             <a:endParaRPr lang="en-US"/>
           </a:p>
@@ -2564,7 +2565,7 @@
           <a:p>
             <a:fld id="{E2DC313C-E62C-4C22-A1E0-847D782FC8C3}" type="datetimeFigureOut">
               <a:rPr lang="en-US" smtClean="0"/>
-              <a:t>8/30/2019</a:t>
+              <a:t>9/9/2019</a:t>
             </a:fld>
             <a:endParaRPr lang="en-US"/>
           </a:p>
@@ -4868,6 +4869,1886 @@
 </p:sld>
 </file>
 
+<file path=ppt/slides/slide2.xml><?xml version="1.0" encoding="utf-8"?>
+<p:sld xmlns:a="http://schemas.openxmlformats.org/drawingml/2006/main" xmlns:r="http://schemas.openxmlformats.org/officeDocument/2006/relationships" xmlns:p="http://schemas.openxmlformats.org/presentationml/2006/main" showMasterSp="0">
+  <p:cSld>
+    <p:bg>
+      <p:bgPr>
+        <a:solidFill>
+          <a:schemeClr val="bg1"/>
+        </a:solidFill>
+        <a:effectLst/>
+      </p:bgPr>
+    </p:bg>
+    <p:spTree>
+      <p:nvGrpSpPr>
+        <p:cNvPr id="1" name=""/>
+        <p:cNvGrpSpPr/>
+        <p:nvPr/>
+      </p:nvGrpSpPr>
+      <p:grpSpPr>
+        <a:xfrm>
+          <a:off x="0" y="0"/>
+          <a:ext cx="0" cy="0"/>
+          <a:chOff x="0" y="0"/>
+          <a:chExt cx="0" cy="0"/>
+        </a:xfrm>
+      </p:grpSpPr>
+      <p:sp>
+        <p:nvSpPr>
+          <p:cNvPr id="4" name="TextBox 3"/>
+          <p:cNvSpPr txBox="1"/>
+          <p:nvPr/>
+        </p:nvSpPr>
+        <p:spPr>
+          <a:xfrm>
+            <a:off x="3406886" y="3260924"/>
+            <a:ext cx="6408644" cy="1499369"/>
+          </a:xfrm>
+          <a:prstGeom prst="rect">
+            <a:avLst/>
+          </a:prstGeom>
+          <a:solidFill>
+            <a:schemeClr val="accent1"/>
+          </a:solidFill>
+          <a:ln w="12700">
+            <a:solidFill>
+              <a:schemeClr val="accent1"/>
+            </a:solidFill>
+          </a:ln>
+        </p:spPr>
+        <p:txBody>
+          <a:bodyPr wrap="square" rtlCol="0">
+            <a:noAutofit/>
+          </a:bodyPr>
+          <a:lstStyle/>
+          <a:p>
+            <a:r>
+              <a:rPr lang="en-US" sz="2400" dirty="0" smtClean="0">
+                <a:solidFill>
+                  <a:schemeClr val="bg1"/>
+                </a:solidFill>
+              </a:rPr>
+              <a:t>RDO.Data </a:t>
+            </a:r>
+            <a:r>
+              <a:rPr lang="en-US" dirty="0" smtClean="0">
+                <a:solidFill>
+                  <a:schemeClr val="bg1"/>
+                </a:solidFill>
+              </a:rPr>
+              <a:t>- Data Access/ORM:</a:t>
+            </a:r>
+            <a:endParaRPr lang="en-US" dirty="0">
+              <a:solidFill>
+                <a:schemeClr val="bg1"/>
+              </a:solidFill>
+            </a:endParaRPr>
+          </a:p>
+        </p:txBody>
+      </p:sp>
+      <p:sp>
+        <p:nvSpPr>
+          <p:cNvPr id="22" name="TextBox 21"/>
+          <p:cNvSpPr txBox="1"/>
+          <p:nvPr/>
+        </p:nvSpPr>
+        <p:spPr>
+          <a:xfrm>
+            <a:off x="6622326" y="1230006"/>
+            <a:ext cx="3193204" cy="1896375"/>
+          </a:xfrm>
+          <a:prstGeom prst="rect">
+            <a:avLst/>
+          </a:prstGeom>
+          <a:solidFill>
+            <a:schemeClr val="accent1"/>
+          </a:solidFill>
+          <a:ln w="12700">
+            <a:solidFill>
+              <a:schemeClr val="accent1"/>
+            </a:solidFill>
+          </a:ln>
+        </p:spPr>
+        <p:txBody>
+          <a:bodyPr wrap="square" rtlCol="0">
+            <a:noAutofit/>
+          </a:bodyPr>
+          <a:lstStyle/>
+          <a:p>
+            <a:r>
+              <a:rPr lang="en-US" sz="2400" dirty="0" smtClean="0">
+                <a:solidFill>
+                  <a:schemeClr val="bg1"/>
+                </a:solidFill>
+              </a:rPr>
+              <a:t>RDO.WPF</a:t>
+            </a:r>
+          </a:p>
+          <a:p>
+            <a:r>
+              <a:rPr lang="en-US" dirty="0" smtClean="0">
+                <a:solidFill>
+                  <a:schemeClr val="bg1"/>
+                </a:solidFill>
+              </a:rPr>
+              <a:t>- WPF Data </a:t>
+            </a:r>
+            <a:r>
+              <a:rPr lang="en-US" dirty="0">
+                <a:solidFill>
+                  <a:schemeClr val="bg1"/>
+                </a:solidFill>
+              </a:rPr>
+              <a:t>P</a:t>
+            </a:r>
+            <a:r>
+              <a:rPr lang="en-US" dirty="0" smtClean="0">
+                <a:solidFill>
+                  <a:schemeClr val="bg1"/>
+                </a:solidFill>
+              </a:rPr>
+              <a:t>resentation:</a:t>
+            </a:r>
+            <a:endParaRPr lang="en-US" dirty="0">
+              <a:solidFill>
+                <a:schemeClr val="bg1"/>
+              </a:solidFill>
+            </a:endParaRPr>
+          </a:p>
+        </p:txBody>
+      </p:sp>
+      <p:sp>
+        <p:nvSpPr>
+          <p:cNvPr id="38" name="TextBox 37"/>
+          <p:cNvSpPr txBox="1"/>
+          <p:nvPr/>
+        </p:nvSpPr>
+        <p:spPr>
+          <a:xfrm>
+            <a:off x="3418004" y="4879796"/>
+            <a:ext cx="6408644" cy="1560013"/>
+          </a:xfrm>
+          <a:prstGeom prst="rect">
+            <a:avLst/>
+          </a:prstGeom>
+          <a:solidFill>
+            <a:srgbClr val="7030A0"/>
+          </a:solidFill>
+          <a:ln w="12700">
+            <a:solidFill>
+              <a:schemeClr val="accent1"/>
+            </a:solidFill>
+          </a:ln>
+        </p:spPr>
+        <p:txBody>
+          <a:bodyPr wrap="square" rtlCol="0">
+            <a:noAutofit/>
+          </a:bodyPr>
+          <a:lstStyle/>
+          <a:p>
+            <a:r>
+              <a:rPr lang="en-US" sz="2400" dirty="0" smtClean="0">
+                <a:solidFill>
+                  <a:schemeClr val="bg1"/>
+                </a:solidFill>
+              </a:rPr>
+              <a:t>RDO.Tools - </a:t>
+            </a:r>
+            <a:r>
+              <a:rPr lang="en-US" dirty="0" smtClean="0">
+                <a:solidFill>
+                  <a:schemeClr val="bg1"/>
+                </a:solidFill>
+              </a:rPr>
+              <a:t>Design Time Tools:</a:t>
+            </a:r>
+            <a:endParaRPr lang="en-US" dirty="0">
+              <a:solidFill>
+                <a:schemeClr val="bg1"/>
+              </a:solidFill>
+            </a:endParaRPr>
+          </a:p>
+        </p:txBody>
+      </p:sp>
+      <p:sp>
+        <p:nvSpPr>
+          <p:cNvPr id="40" name="TextBox 39"/>
+          <p:cNvSpPr txBox="1"/>
+          <p:nvPr/>
+        </p:nvSpPr>
+        <p:spPr>
+          <a:xfrm>
+            <a:off x="3401065" y="1223100"/>
+            <a:ext cx="3128323" cy="1913315"/>
+          </a:xfrm>
+          <a:prstGeom prst="rect">
+            <a:avLst/>
+          </a:prstGeom>
+          <a:solidFill>
+            <a:schemeClr val="accent1"/>
+          </a:solidFill>
+          <a:ln w="12700">
+            <a:solidFill>
+              <a:schemeClr val="accent1"/>
+            </a:solidFill>
+          </a:ln>
+        </p:spPr>
+        <p:txBody>
+          <a:bodyPr wrap="square" rtlCol="0">
+            <a:noAutofit/>
+          </a:bodyPr>
+          <a:lstStyle/>
+          <a:p>
+            <a:r>
+              <a:rPr lang="en-US" sz="2400" dirty="0" smtClean="0">
+                <a:solidFill>
+                  <a:schemeClr val="bg1"/>
+                </a:solidFill>
+              </a:rPr>
+              <a:t>RDO.Web</a:t>
+            </a:r>
+          </a:p>
+          <a:p>
+            <a:r>
+              <a:rPr lang="en-US" dirty="0" smtClean="0">
+                <a:solidFill>
+                  <a:schemeClr val="bg1"/>
+                </a:solidFill>
+              </a:rPr>
+              <a:t>- Web Data </a:t>
+            </a:r>
+            <a:r>
+              <a:rPr lang="en-US" dirty="0">
+                <a:solidFill>
+                  <a:schemeClr val="bg1"/>
+                </a:solidFill>
+              </a:rPr>
+              <a:t>P</a:t>
+            </a:r>
+            <a:r>
+              <a:rPr lang="en-US" dirty="0" smtClean="0">
+                <a:solidFill>
+                  <a:schemeClr val="bg1"/>
+                </a:solidFill>
+              </a:rPr>
+              <a:t>resentation:</a:t>
+            </a:r>
+            <a:endParaRPr lang="en-US" dirty="0">
+              <a:solidFill>
+                <a:schemeClr val="bg1"/>
+              </a:solidFill>
+            </a:endParaRPr>
+          </a:p>
+        </p:txBody>
+      </p:sp>
+      <p:pic>
+        <p:nvPicPr>
+          <p:cNvPr id="1026" name="Picture 2" descr="Image result for web application icon"/>
+          <p:cNvPicPr>
+            <a:picLocks noChangeAspect="1" noChangeArrowheads="1"/>
+          </p:cNvPicPr>
+          <p:nvPr/>
+        </p:nvPicPr>
+        <p:blipFill>
+          <a:blip r:embed="rId2" cstate="print">
+            <a:extLst>
+              <a:ext uri="{28A0092B-C50C-407E-A947-70E740481C1C}">
+                <a14:useLocalDpi xmlns:a14="http://schemas.microsoft.com/office/drawing/2010/main" val="0"/>
+              </a:ext>
+            </a:extLst>
+          </a:blip>
+          <a:srcRect/>
+          <a:stretch>
+            <a:fillRect/>
+          </a:stretch>
+        </p:blipFill>
+        <p:spPr bwMode="auto">
+          <a:xfrm>
+            <a:off x="4083066" y="568921"/>
+            <a:ext cx="554734" cy="506412"/>
+          </a:xfrm>
+          <a:prstGeom prst="rect">
+            <a:avLst/>
+          </a:prstGeom>
+          <a:noFill/>
+          <a:extLst>
+            <a:ext uri="{909E8E84-426E-40DD-AFC4-6F175D3DCCD1}">
+              <a14:hiddenFill xmlns:a14="http://schemas.microsoft.com/office/drawing/2010/main">
+                <a:solidFill>
+                  <a:srgbClr val="FFFFFF"/>
+                </a:solidFill>
+              </a14:hiddenFill>
+            </a:ext>
+          </a:extLst>
+        </p:spPr>
+      </p:pic>
+      <p:pic>
+        <p:nvPicPr>
+          <p:cNvPr id="3" name="Picture 4" descr="Image result for desktop application icon"/>
+          <p:cNvPicPr>
+            <a:picLocks noChangeAspect="1" noChangeArrowheads="1"/>
+          </p:cNvPicPr>
+          <p:nvPr/>
+        </p:nvPicPr>
+        <p:blipFill>
+          <a:blip r:embed="rId3" cstate="print">
+            <a:extLst>
+              <a:ext uri="{28A0092B-C50C-407E-A947-70E740481C1C}">
+                <a14:useLocalDpi xmlns:a14="http://schemas.microsoft.com/office/drawing/2010/main" val="0"/>
+              </a:ext>
+            </a:extLst>
+          </a:blip>
+          <a:srcRect/>
+          <a:stretch>
+            <a:fillRect/>
+          </a:stretch>
+        </p:blipFill>
+        <p:spPr bwMode="auto">
+          <a:xfrm>
+            <a:off x="7164459" y="609599"/>
+            <a:ext cx="432353" cy="425057"/>
+          </a:xfrm>
+          <a:prstGeom prst="rect">
+            <a:avLst/>
+          </a:prstGeom>
+          <a:noFill/>
+          <a:extLst>
+            <a:ext uri="{909E8E84-426E-40DD-AFC4-6F175D3DCCD1}">
+              <a14:hiddenFill xmlns:a14="http://schemas.microsoft.com/office/drawing/2010/main">
+                <a:solidFill>
+                  <a:srgbClr val="FFFFFF"/>
+                </a:solidFill>
+              </a14:hiddenFill>
+            </a:ext>
+          </a:extLst>
+        </p:spPr>
+      </p:pic>
+      <p:sp>
+        <p:nvSpPr>
+          <p:cNvPr id="5" name="TextBox 4"/>
+          <p:cNvSpPr txBox="1"/>
+          <p:nvPr/>
+        </p:nvSpPr>
+        <p:spPr>
+          <a:xfrm>
+            <a:off x="4797949" y="683693"/>
+            <a:ext cx="1048236" cy="369332"/>
+          </a:xfrm>
+          <a:prstGeom prst="rect">
+            <a:avLst/>
+          </a:prstGeom>
+          <a:noFill/>
+        </p:spPr>
+        <p:txBody>
+          <a:bodyPr wrap="none" rtlCol="0">
+            <a:spAutoFit/>
+          </a:bodyPr>
+          <a:lstStyle/>
+          <a:p>
+            <a:r>
+              <a:rPr lang="en-US" dirty="0" smtClean="0"/>
+              <a:t>Web App</a:t>
+            </a:r>
+            <a:endParaRPr lang="en-US" dirty="0"/>
+          </a:p>
+        </p:txBody>
+      </p:sp>
+      <p:sp>
+        <p:nvSpPr>
+          <p:cNvPr id="53" name="TextBox 52"/>
+          <p:cNvSpPr txBox="1"/>
+          <p:nvPr/>
+        </p:nvSpPr>
+        <p:spPr>
+          <a:xfrm>
+            <a:off x="7672887" y="683693"/>
+            <a:ext cx="1383520" cy="369332"/>
+          </a:xfrm>
+          <a:prstGeom prst="rect">
+            <a:avLst/>
+          </a:prstGeom>
+          <a:noFill/>
+        </p:spPr>
+        <p:txBody>
+          <a:bodyPr wrap="none" rtlCol="0">
+            <a:spAutoFit/>
+          </a:bodyPr>
+          <a:lstStyle/>
+          <a:p>
+            <a:r>
+              <a:rPr lang="en-US" dirty="0" smtClean="0"/>
+              <a:t>Desktop App</a:t>
+            </a:r>
+            <a:endParaRPr lang="en-US" dirty="0"/>
+          </a:p>
+        </p:txBody>
+      </p:sp>
+      <p:pic>
+        <p:nvPicPr>
+          <p:cNvPr id="58" name="Picture 57"/>
+          <p:cNvPicPr>
+            <a:picLocks noChangeAspect="1"/>
+          </p:cNvPicPr>
+          <p:nvPr/>
+        </p:nvPicPr>
+        <p:blipFill>
+          <a:blip r:embed="rId4" cstate="print">
+            <a:extLst>
+              <a:ext uri="{28A0092B-C50C-407E-A947-70E740481C1C}">
+                <a14:useLocalDpi xmlns:a14="http://schemas.microsoft.com/office/drawing/2010/main" val="0"/>
+              </a:ext>
+            </a:extLst>
+          </a:blip>
+          <a:stretch>
+            <a:fillRect/>
+          </a:stretch>
+        </p:blipFill>
+        <p:spPr>
+          <a:xfrm>
+            <a:off x="6020684" y="6574352"/>
+            <a:ext cx="198751" cy="194468"/>
+          </a:xfrm>
+          <a:prstGeom prst="rect">
+            <a:avLst/>
+          </a:prstGeom>
+        </p:spPr>
+      </p:pic>
+      <p:sp>
+        <p:nvSpPr>
+          <p:cNvPr id="59" name="TextBox 58"/>
+          <p:cNvSpPr txBox="1"/>
+          <p:nvPr/>
+        </p:nvSpPr>
+        <p:spPr>
+          <a:xfrm>
+            <a:off x="6190374" y="6569582"/>
+            <a:ext cx="976549" cy="246221"/>
+          </a:xfrm>
+          <a:prstGeom prst="rect">
+            <a:avLst/>
+          </a:prstGeom>
+          <a:noFill/>
+        </p:spPr>
+        <p:txBody>
+          <a:bodyPr wrap="none" rtlCol="0">
+            <a:spAutoFit/>
+          </a:bodyPr>
+          <a:lstStyle/>
+          <a:p>
+            <a:r>
+              <a:rPr lang="en-US" sz="1000" dirty="0" err="1" smtClean="0"/>
+              <a:t>NuGet</a:t>
+            </a:r>
+            <a:r>
+              <a:rPr lang="en-US" sz="1000" dirty="0" smtClean="0"/>
+              <a:t> Package</a:t>
+            </a:r>
+            <a:endParaRPr lang="en-US" sz="1000" dirty="0"/>
+          </a:p>
+        </p:txBody>
+      </p:sp>
+      <p:pic>
+        <p:nvPicPr>
+          <p:cNvPr id="60" name="Picture 4" descr="See the source image"/>
+          <p:cNvPicPr>
+            <a:picLocks noChangeAspect="1" noChangeArrowheads="1"/>
+          </p:cNvPicPr>
+          <p:nvPr/>
+        </p:nvPicPr>
+        <p:blipFill>
+          <a:blip r:embed="rId5" cstate="print">
+            <a:extLst>
+              <a:ext uri="{28A0092B-C50C-407E-A947-70E740481C1C}">
+                <a14:useLocalDpi xmlns:a14="http://schemas.microsoft.com/office/drawing/2010/main" val="0"/>
+              </a:ext>
+            </a:extLst>
+          </a:blip>
+          <a:srcRect/>
+          <a:stretch>
+            <a:fillRect/>
+          </a:stretch>
+        </p:blipFill>
+        <p:spPr bwMode="auto">
+          <a:xfrm>
+            <a:off x="7337185" y="6591300"/>
+            <a:ext cx="201963" cy="201963"/>
+          </a:xfrm>
+          <a:prstGeom prst="rect">
+            <a:avLst/>
+          </a:prstGeom>
+          <a:noFill/>
+          <a:extLst>
+            <a:ext uri="{909E8E84-426E-40DD-AFC4-6F175D3DCCD1}">
+              <a14:hiddenFill xmlns:a14="http://schemas.microsoft.com/office/drawing/2010/main">
+                <a:solidFill>
+                  <a:srgbClr val="FFFFFF"/>
+                </a:solidFill>
+              </a14:hiddenFill>
+            </a:ext>
+          </a:extLst>
+        </p:spPr>
+      </p:pic>
+      <p:sp>
+        <p:nvSpPr>
+          <p:cNvPr id="61" name="TextBox 60"/>
+          <p:cNvSpPr txBox="1"/>
+          <p:nvPr/>
+        </p:nvSpPr>
+        <p:spPr>
+          <a:xfrm>
+            <a:off x="7525389" y="6564317"/>
+            <a:ext cx="1390124" cy="246221"/>
+          </a:xfrm>
+          <a:prstGeom prst="rect">
+            <a:avLst/>
+          </a:prstGeom>
+          <a:noFill/>
+        </p:spPr>
+        <p:txBody>
+          <a:bodyPr wrap="square" rtlCol="0">
+            <a:spAutoFit/>
+          </a:bodyPr>
+          <a:lstStyle/>
+          <a:p>
+            <a:r>
+              <a:rPr lang="en-US" sz="1000" dirty="0" smtClean="0"/>
+              <a:t>Visual Studio Extension</a:t>
+            </a:r>
+            <a:endParaRPr lang="en-US" sz="1000" dirty="0"/>
+          </a:p>
+        </p:txBody>
+      </p:sp>
+      <p:sp>
+        <p:nvSpPr>
+          <p:cNvPr id="66" name="TextBox 65"/>
+          <p:cNvSpPr txBox="1"/>
+          <p:nvPr/>
+        </p:nvSpPr>
+        <p:spPr>
+          <a:xfrm>
+            <a:off x="5297973" y="6569582"/>
+            <a:ext cx="650412" cy="246221"/>
+          </a:xfrm>
+          <a:prstGeom prst="rect">
+            <a:avLst/>
+          </a:prstGeom>
+          <a:noFill/>
+        </p:spPr>
+        <p:txBody>
+          <a:bodyPr wrap="square" rtlCol="0">
+            <a:spAutoFit/>
+          </a:bodyPr>
+          <a:lstStyle/>
+          <a:p>
+            <a:r>
+              <a:rPr lang="en-US" sz="1000" dirty="0" smtClean="0"/>
+              <a:t>Legend:</a:t>
+            </a:r>
+            <a:endParaRPr lang="en-US" sz="1000" dirty="0"/>
+          </a:p>
+        </p:txBody>
+      </p:sp>
+      <p:pic>
+        <p:nvPicPr>
+          <p:cNvPr id="63" name="Picture 62"/>
+          <p:cNvPicPr>
+            <a:picLocks noChangeAspect="1"/>
+          </p:cNvPicPr>
+          <p:nvPr/>
+        </p:nvPicPr>
+        <p:blipFill>
+          <a:blip r:embed="rId6">
+            <a:extLst>
+              <a:ext uri="{28A0092B-C50C-407E-A947-70E740481C1C}">
+                <a14:useLocalDpi xmlns:a14="http://schemas.microsoft.com/office/drawing/2010/main" val="0"/>
+              </a:ext>
+            </a:extLst>
+          </a:blip>
+          <a:stretch>
+            <a:fillRect/>
+          </a:stretch>
+        </p:blipFill>
+        <p:spPr>
+          <a:xfrm>
+            <a:off x="8999257" y="6587022"/>
+            <a:ext cx="208920" cy="208920"/>
+          </a:xfrm>
+          <a:prstGeom prst="rect">
+            <a:avLst/>
+          </a:prstGeom>
+        </p:spPr>
+      </p:pic>
+      <p:sp>
+        <p:nvSpPr>
+          <p:cNvPr id="67" name="TextBox 66"/>
+          <p:cNvSpPr txBox="1"/>
+          <p:nvPr/>
+        </p:nvSpPr>
+        <p:spPr>
+          <a:xfrm>
+            <a:off x="9208177" y="6564317"/>
+            <a:ext cx="618471" cy="246221"/>
+          </a:xfrm>
+          <a:prstGeom prst="rect">
+            <a:avLst/>
+          </a:prstGeom>
+          <a:noFill/>
+        </p:spPr>
+        <p:txBody>
+          <a:bodyPr wrap="square" rtlCol="0">
+            <a:spAutoFit/>
+          </a:bodyPr>
+          <a:lstStyle/>
+          <a:p>
+            <a:r>
+              <a:rPr lang="en-US" sz="1000" dirty="0" smtClean="0"/>
+              <a:t>Website</a:t>
+            </a:r>
+            <a:endParaRPr lang="en-US" sz="1000" dirty="0"/>
+          </a:p>
+        </p:txBody>
+      </p:sp>
+      <p:grpSp>
+        <p:nvGrpSpPr>
+          <p:cNvPr id="12" name="Group 11"/>
+          <p:cNvGrpSpPr/>
+          <p:nvPr/>
+        </p:nvGrpSpPr>
+        <p:grpSpPr>
+          <a:xfrm>
+            <a:off x="3496038" y="2012172"/>
+            <a:ext cx="2945467" cy="427200"/>
+            <a:chOff x="708134" y="2601454"/>
+            <a:chExt cx="2945467" cy="427200"/>
+          </a:xfrm>
+        </p:grpSpPr>
+        <p:sp>
+          <p:nvSpPr>
+            <p:cNvPr id="68" name="TextBox 67"/>
+            <p:cNvSpPr txBox="1"/>
+            <p:nvPr/>
+          </p:nvSpPr>
+          <p:spPr>
+            <a:xfrm>
+              <a:off x="708134" y="2601454"/>
+              <a:ext cx="2945467" cy="427200"/>
+            </a:xfrm>
+            <a:prstGeom prst="rect">
+              <a:avLst/>
+            </a:prstGeom>
+            <a:solidFill>
+              <a:schemeClr val="accent1"/>
+            </a:solidFill>
+            <a:ln w="25400">
+              <a:solidFill>
+                <a:schemeClr val="bg1"/>
+              </a:solidFill>
+            </a:ln>
+          </p:spPr>
+          <p:txBody>
+            <a:bodyPr wrap="square" rtlCol="0">
+              <a:noAutofit/>
+            </a:bodyPr>
+            <a:lstStyle/>
+            <a:p>
+              <a:endParaRPr lang="en-US" dirty="0">
+                <a:solidFill>
+                  <a:schemeClr val="bg1"/>
+                </a:solidFill>
+              </a:endParaRPr>
+            </a:p>
+          </p:txBody>
+        </p:sp>
+        <p:grpSp>
+          <p:nvGrpSpPr>
+            <p:cNvPr id="41" name="Group 40"/>
+            <p:cNvGrpSpPr/>
+            <p:nvPr/>
+          </p:nvGrpSpPr>
+          <p:grpSpPr>
+            <a:xfrm>
+              <a:off x="819488" y="2651591"/>
+              <a:ext cx="2568014" cy="338554"/>
+              <a:chOff x="758968" y="2451830"/>
+              <a:chExt cx="2568014" cy="338554"/>
+            </a:xfrm>
+          </p:grpSpPr>
+          <p:pic>
+            <p:nvPicPr>
+              <p:cNvPr id="42" name="Picture 41"/>
+              <p:cNvPicPr>
+                <a:picLocks noChangeAspect="1"/>
+              </p:cNvPicPr>
+              <p:nvPr/>
+            </p:nvPicPr>
+            <p:blipFill>
+              <a:blip r:embed="rId4" cstate="print">
+                <a:lum bright="70000" contrast="-70000"/>
+                <a:extLst>
+                  <a:ext uri="{28A0092B-C50C-407E-A947-70E740481C1C}">
+                    <a14:useLocalDpi xmlns:a14="http://schemas.microsoft.com/office/drawing/2010/main" val="0"/>
+                  </a:ext>
+                </a:extLst>
+              </a:blip>
+              <a:stretch>
+                <a:fillRect/>
+              </a:stretch>
+            </p:blipFill>
+            <p:spPr>
+              <a:xfrm>
+                <a:off x="758968" y="2491578"/>
+                <a:ext cx="248238" cy="242888"/>
+              </a:xfrm>
+              <a:prstGeom prst="rect">
+                <a:avLst/>
+              </a:prstGeom>
+            </p:spPr>
+          </p:pic>
+          <p:sp>
+            <p:nvSpPr>
+              <p:cNvPr id="43" name="TextBox 42"/>
+              <p:cNvSpPr txBox="1"/>
+              <p:nvPr/>
+            </p:nvSpPr>
+            <p:spPr>
+              <a:xfrm>
+                <a:off x="988457" y="2451830"/>
+                <a:ext cx="2338525" cy="338554"/>
+              </a:xfrm>
+              <a:prstGeom prst="rect">
+                <a:avLst/>
+              </a:prstGeom>
+              <a:noFill/>
+            </p:spPr>
+            <p:txBody>
+              <a:bodyPr wrap="none" rtlCol="0">
+                <a:spAutoFit/>
+              </a:bodyPr>
+              <a:lstStyle/>
+              <a:p>
+                <a:r>
+                  <a:rPr lang="en-US" sz="1600" dirty="0" err="1" smtClean="0">
+                    <a:solidFill>
+                      <a:schemeClr val="bg1"/>
+                    </a:solidFill>
+                  </a:rPr>
+                  <a:t>DevZest.Data.AspNetCore</a:t>
+                </a:r>
+                <a:endParaRPr lang="en-US" sz="1600" dirty="0">
+                  <a:solidFill>
+                    <a:schemeClr val="bg1"/>
+                  </a:solidFill>
+                </a:endParaRPr>
+              </a:p>
+            </p:txBody>
+          </p:sp>
+        </p:grpSp>
+      </p:grpSp>
+      <p:grpSp>
+        <p:nvGrpSpPr>
+          <p:cNvPr id="70" name="Group 69"/>
+          <p:cNvGrpSpPr/>
+          <p:nvPr/>
+        </p:nvGrpSpPr>
+        <p:grpSpPr>
+          <a:xfrm>
+            <a:off x="6722918" y="2034301"/>
+            <a:ext cx="2945467" cy="427200"/>
+            <a:chOff x="708134" y="2601454"/>
+            <a:chExt cx="2945467" cy="427200"/>
+          </a:xfrm>
+        </p:grpSpPr>
+        <p:sp>
+          <p:nvSpPr>
+            <p:cNvPr id="71" name="TextBox 70"/>
+            <p:cNvSpPr txBox="1"/>
+            <p:nvPr/>
+          </p:nvSpPr>
+          <p:spPr>
+            <a:xfrm>
+              <a:off x="708134" y="2601454"/>
+              <a:ext cx="2945467" cy="427200"/>
+            </a:xfrm>
+            <a:prstGeom prst="rect">
+              <a:avLst/>
+            </a:prstGeom>
+            <a:solidFill>
+              <a:schemeClr val="accent1"/>
+            </a:solidFill>
+            <a:ln w="25400">
+              <a:solidFill>
+                <a:schemeClr val="bg1"/>
+              </a:solidFill>
+            </a:ln>
+          </p:spPr>
+          <p:txBody>
+            <a:bodyPr wrap="square" rtlCol="0">
+              <a:noAutofit/>
+            </a:bodyPr>
+            <a:lstStyle/>
+            <a:p>
+              <a:endParaRPr lang="en-US" dirty="0">
+                <a:solidFill>
+                  <a:schemeClr val="bg1"/>
+                </a:solidFill>
+              </a:endParaRPr>
+            </a:p>
+          </p:txBody>
+        </p:sp>
+        <p:grpSp>
+          <p:nvGrpSpPr>
+            <p:cNvPr id="72" name="Group 71"/>
+            <p:cNvGrpSpPr/>
+            <p:nvPr/>
+          </p:nvGrpSpPr>
+          <p:grpSpPr>
+            <a:xfrm>
+              <a:off x="819488" y="2651591"/>
+              <a:ext cx="1897574" cy="338554"/>
+              <a:chOff x="758968" y="2451830"/>
+              <a:chExt cx="1897574" cy="338554"/>
+            </a:xfrm>
+          </p:grpSpPr>
+          <p:pic>
+            <p:nvPicPr>
+              <p:cNvPr id="73" name="Picture 72"/>
+              <p:cNvPicPr>
+                <a:picLocks noChangeAspect="1"/>
+              </p:cNvPicPr>
+              <p:nvPr/>
+            </p:nvPicPr>
+            <p:blipFill>
+              <a:blip r:embed="rId4" cstate="print">
+                <a:lum bright="70000" contrast="-70000"/>
+                <a:extLst>
+                  <a:ext uri="{28A0092B-C50C-407E-A947-70E740481C1C}">
+                    <a14:useLocalDpi xmlns:a14="http://schemas.microsoft.com/office/drawing/2010/main" val="0"/>
+                  </a:ext>
+                </a:extLst>
+              </a:blip>
+              <a:stretch>
+                <a:fillRect/>
+              </a:stretch>
+            </p:blipFill>
+            <p:spPr>
+              <a:xfrm>
+                <a:off x="758968" y="2491578"/>
+                <a:ext cx="248238" cy="242888"/>
+              </a:xfrm>
+              <a:prstGeom prst="rect">
+                <a:avLst/>
+              </a:prstGeom>
+            </p:spPr>
+          </p:pic>
+          <p:sp>
+            <p:nvSpPr>
+              <p:cNvPr id="74" name="TextBox 73"/>
+              <p:cNvSpPr txBox="1"/>
+              <p:nvPr/>
+            </p:nvSpPr>
+            <p:spPr>
+              <a:xfrm>
+                <a:off x="988457" y="2451830"/>
+                <a:ext cx="1668085" cy="338554"/>
+              </a:xfrm>
+              <a:prstGeom prst="rect">
+                <a:avLst/>
+              </a:prstGeom>
+              <a:noFill/>
+            </p:spPr>
+            <p:txBody>
+              <a:bodyPr wrap="none" rtlCol="0">
+                <a:spAutoFit/>
+              </a:bodyPr>
+              <a:lstStyle/>
+              <a:p>
+                <a:r>
+                  <a:rPr lang="en-US" sz="1600" dirty="0" err="1" smtClean="0">
+                    <a:solidFill>
+                      <a:schemeClr val="bg1"/>
+                    </a:solidFill>
+                  </a:rPr>
+                  <a:t>DevZest.Data.Wpf</a:t>
+                </a:r>
+                <a:endParaRPr lang="en-US" sz="1600" dirty="0">
+                  <a:solidFill>
+                    <a:schemeClr val="bg1"/>
+                  </a:solidFill>
+                </a:endParaRPr>
+              </a:p>
+            </p:txBody>
+          </p:sp>
+        </p:grpSp>
+      </p:grpSp>
+      <p:grpSp>
+        <p:nvGrpSpPr>
+          <p:cNvPr id="75" name="Group 74"/>
+          <p:cNvGrpSpPr/>
+          <p:nvPr/>
+        </p:nvGrpSpPr>
+        <p:grpSpPr>
+          <a:xfrm>
+            <a:off x="3496039" y="3739386"/>
+            <a:ext cx="2945467" cy="427200"/>
+            <a:chOff x="708134" y="2601454"/>
+            <a:chExt cx="2945467" cy="427200"/>
+          </a:xfrm>
+        </p:grpSpPr>
+        <p:sp>
+          <p:nvSpPr>
+            <p:cNvPr id="76" name="TextBox 75"/>
+            <p:cNvSpPr txBox="1"/>
+            <p:nvPr/>
+          </p:nvSpPr>
+          <p:spPr>
+            <a:xfrm>
+              <a:off x="708134" y="2601454"/>
+              <a:ext cx="2945467" cy="427200"/>
+            </a:xfrm>
+            <a:prstGeom prst="rect">
+              <a:avLst/>
+            </a:prstGeom>
+            <a:solidFill>
+              <a:schemeClr val="accent1"/>
+            </a:solidFill>
+            <a:ln w="25400">
+              <a:solidFill>
+                <a:schemeClr val="bg1"/>
+              </a:solidFill>
+            </a:ln>
+          </p:spPr>
+          <p:txBody>
+            <a:bodyPr wrap="square" rtlCol="0">
+              <a:noAutofit/>
+            </a:bodyPr>
+            <a:lstStyle/>
+            <a:p>
+              <a:endParaRPr lang="en-US" dirty="0">
+                <a:solidFill>
+                  <a:schemeClr val="bg1"/>
+                </a:solidFill>
+              </a:endParaRPr>
+            </a:p>
+          </p:txBody>
+        </p:sp>
+        <p:grpSp>
+          <p:nvGrpSpPr>
+            <p:cNvPr id="77" name="Group 76"/>
+            <p:cNvGrpSpPr/>
+            <p:nvPr/>
+          </p:nvGrpSpPr>
+          <p:grpSpPr>
+            <a:xfrm>
+              <a:off x="819488" y="2651591"/>
+              <a:ext cx="1515803" cy="338554"/>
+              <a:chOff x="758968" y="2451830"/>
+              <a:chExt cx="1515803" cy="338554"/>
+            </a:xfrm>
+          </p:grpSpPr>
+          <p:pic>
+            <p:nvPicPr>
+              <p:cNvPr id="78" name="Picture 77"/>
+              <p:cNvPicPr>
+                <a:picLocks noChangeAspect="1"/>
+              </p:cNvPicPr>
+              <p:nvPr/>
+            </p:nvPicPr>
+            <p:blipFill>
+              <a:blip r:embed="rId4" cstate="print">
+                <a:lum bright="70000" contrast="-70000"/>
+                <a:extLst>
+                  <a:ext uri="{28A0092B-C50C-407E-A947-70E740481C1C}">
+                    <a14:useLocalDpi xmlns:a14="http://schemas.microsoft.com/office/drawing/2010/main" val="0"/>
+                  </a:ext>
+                </a:extLst>
+              </a:blip>
+              <a:stretch>
+                <a:fillRect/>
+              </a:stretch>
+            </p:blipFill>
+            <p:spPr>
+              <a:xfrm>
+                <a:off x="758968" y="2491578"/>
+                <a:ext cx="248238" cy="242888"/>
+              </a:xfrm>
+              <a:prstGeom prst="rect">
+                <a:avLst/>
+              </a:prstGeom>
+            </p:spPr>
+          </p:pic>
+          <p:sp>
+            <p:nvSpPr>
+              <p:cNvPr id="79" name="TextBox 78"/>
+              <p:cNvSpPr txBox="1"/>
+              <p:nvPr/>
+            </p:nvSpPr>
+            <p:spPr>
+              <a:xfrm>
+                <a:off x="988457" y="2451830"/>
+                <a:ext cx="1286314" cy="338554"/>
+              </a:xfrm>
+              <a:prstGeom prst="rect">
+                <a:avLst/>
+              </a:prstGeom>
+              <a:noFill/>
+            </p:spPr>
+            <p:txBody>
+              <a:bodyPr wrap="none" rtlCol="0">
+                <a:spAutoFit/>
+              </a:bodyPr>
+              <a:lstStyle/>
+              <a:p>
+                <a:r>
+                  <a:rPr lang="en-US" sz="1600" dirty="0" err="1" smtClean="0">
+                    <a:solidFill>
+                      <a:schemeClr val="bg1"/>
+                    </a:solidFill>
+                  </a:rPr>
+                  <a:t>DevZest.Data</a:t>
+                </a:r>
+                <a:endParaRPr lang="en-US" sz="1600" dirty="0">
+                  <a:solidFill>
+                    <a:schemeClr val="bg1"/>
+                  </a:solidFill>
+                </a:endParaRPr>
+              </a:p>
+            </p:txBody>
+          </p:sp>
+        </p:grpSp>
+      </p:grpSp>
+      <p:grpSp>
+        <p:nvGrpSpPr>
+          <p:cNvPr id="80" name="Group 79"/>
+          <p:cNvGrpSpPr/>
+          <p:nvPr/>
+        </p:nvGrpSpPr>
+        <p:grpSpPr>
+          <a:xfrm>
+            <a:off x="3496039" y="4247094"/>
+            <a:ext cx="2945467" cy="427200"/>
+            <a:chOff x="708134" y="2601454"/>
+            <a:chExt cx="2945467" cy="427200"/>
+          </a:xfrm>
+        </p:grpSpPr>
+        <p:sp>
+          <p:nvSpPr>
+            <p:cNvPr id="81" name="TextBox 80"/>
+            <p:cNvSpPr txBox="1"/>
+            <p:nvPr/>
+          </p:nvSpPr>
+          <p:spPr>
+            <a:xfrm>
+              <a:off x="708134" y="2601454"/>
+              <a:ext cx="2945467" cy="427200"/>
+            </a:xfrm>
+            <a:prstGeom prst="rect">
+              <a:avLst/>
+            </a:prstGeom>
+            <a:solidFill>
+              <a:schemeClr val="accent1"/>
+            </a:solidFill>
+            <a:ln w="25400">
+              <a:solidFill>
+                <a:schemeClr val="bg1"/>
+              </a:solidFill>
+            </a:ln>
+          </p:spPr>
+          <p:txBody>
+            <a:bodyPr wrap="square" rtlCol="0">
+              <a:noAutofit/>
+            </a:bodyPr>
+            <a:lstStyle/>
+            <a:p>
+              <a:endParaRPr lang="en-US" dirty="0">
+                <a:solidFill>
+                  <a:schemeClr val="bg1"/>
+                </a:solidFill>
+              </a:endParaRPr>
+            </a:p>
+          </p:txBody>
+        </p:sp>
+        <p:grpSp>
+          <p:nvGrpSpPr>
+            <p:cNvPr id="82" name="Group 81"/>
+            <p:cNvGrpSpPr/>
+            <p:nvPr/>
+          </p:nvGrpSpPr>
+          <p:grpSpPr>
+            <a:xfrm>
+              <a:off x="819488" y="2651591"/>
+              <a:ext cx="2352506" cy="338554"/>
+              <a:chOff x="758968" y="2451830"/>
+              <a:chExt cx="2352506" cy="338554"/>
+            </a:xfrm>
+          </p:grpSpPr>
+          <p:pic>
+            <p:nvPicPr>
+              <p:cNvPr id="83" name="Picture 82"/>
+              <p:cNvPicPr>
+                <a:picLocks noChangeAspect="1"/>
+              </p:cNvPicPr>
+              <p:nvPr/>
+            </p:nvPicPr>
+            <p:blipFill>
+              <a:blip r:embed="rId4" cstate="print">
+                <a:lum bright="70000" contrast="-70000"/>
+                <a:extLst>
+                  <a:ext uri="{28A0092B-C50C-407E-A947-70E740481C1C}">
+                    <a14:useLocalDpi xmlns:a14="http://schemas.microsoft.com/office/drawing/2010/main" val="0"/>
+                  </a:ext>
+                </a:extLst>
+              </a:blip>
+              <a:stretch>
+                <a:fillRect/>
+              </a:stretch>
+            </p:blipFill>
+            <p:spPr>
+              <a:xfrm>
+                <a:off x="758968" y="2491578"/>
+                <a:ext cx="248238" cy="242888"/>
+              </a:xfrm>
+              <a:prstGeom prst="rect">
+                <a:avLst/>
+              </a:prstGeom>
+            </p:spPr>
+          </p:pic>
+          <p:sp>
+            <p:nvSpPr>
+              <p:cNvPr id="84" name="TextBox 83"/>
+              <p:cNvSpPr txBox="1"/>
+              <p:nvPr/>
+            </p:nvSpPr>
+            <p:spPr>
+              <a:xfrm>
+                <a:off x="988457" y="2451830"/>
+                <a:ext cx="2123017" cy="338554"/>
+              </a:xfrm>
+              <a:prstGeom prst="rect">
+                <a:avLst/>
+              </a:prstGeom>
+              <a:noFill/>
+            </p:spPr>
+            <p:txBody>
+              <a:bodyPr wrap="none" rtlCol="0">
+                <a:spAutoFit/>
+              </a:bodyPr>
+              <a:lstStyle/>
+              <a:p>
+                <a:r>
+                  <a:rPr lang="en-US" sz="1600" dirty="0" err="1" smtClean="0">
+                    <a:solidFill>
+                      <a:schemeClr val="bg1"/>
+                    </a:solidFill>
+                  </a:rPr>
+                  <a:t>DevZest.Data.SqlServer</a:t>
+                </a:r>
+                <a:endParaRPr lang="en-US" sz="1600" dirty="0">
+                  <a:solidFill>
+                    <a:schemeClr val="bg1"/>
+                  </a:solidFill>
+                </a:endParaRPr>
+              </a:p>
+            </p:txBody>
+          </p:sp>
+        </p:grpSp>
+      </p:grpSp>
+      <p:grpSp>
+        <p:nvGrpSpPr>
+          <p:cNvPr id="85" name="Group 84"/>
+          <p:cNvGrpSpPr/>
+          <p:nvPr/>
+        </p:nvGrpSpPr>
+        <p:grpSpPr>
+          <a:xfrm>
+            <a:off x="6685599" y="4247094"/>
+            <a:ext cx="2945467" cy="427200"/>
+            <a:chOff x="708134" y="2601454"/>
+            <a:chExt cx="2945467" cy="427200"/>
+          </a:xfrm>
+        </p:grpSpPr>
+        <p:sp>
+          <p:nvSpPr>
+            <p:cNvPr id="86" name="TextBox 85"/>
+            <p:cNvSpPr txBox="1"/>
+            <p:nvPr/>
+          </p:nvSpPr>
+          <p:spPr>
+            <a:xfrm>
+              <a:off x="708134" y="2601454"/>
+              <a:ext cx="2945467" cy="427200"/>
+            </a:xfrm>
+            <a:prstGeom prst="rect">
+              <a:avLst/>
+            </a:prstGeom>
+            <a:solidFill>
+              <a:schemeClr val="accent1"/>
+            </a:solidFill>
+            <a:ln w="25400">
+              <a:solidFill>
+                <a:schemeClr val="bg1"/>
+              </a:solidFill>
+            </a:ln>
+          </p:spPr>
+          <p:txBody>
+            <a:bodyPr wrap="square" rtlCol="0">
+              <a:noAutofit/>
+            </a:bodyPr>
+            <a:lstStyle/>
+            <a:p>
+              <a:endParaRPr lang="en-US" dirty="0">
+                <a:solidFill>
+                  <a:schemeClr val="bg1"/>
+                </a:solidFill>
+              </a:endParaRPr>
+            </a:p>
+          </p:txBody>
+        </p:sp>
+        <p:grpSp>
+          <p:nvGrpSpPr>
+            <p:cNvPr id="87" name="Group 86"/>
+            <p:cNvGrpSpPr/>
+            <p:nvPr/>
+          </p:nvGrpSpPr>
+          <p:grpSpPr>
+            <a:xfrm>
+              <a:off x="819488" y="2651591"/>
+              <a:ext cx="2083266" cy="338554"/>
+              <a:chOff x="758968" y="2451830"/>
+              <a:chExt cx="2083266" cy="338554"/>
+            </a:xfrm>
+          </p:grpSpPr>
+          <p:pic>
+            <p:nvPicPr>
+              <p:cNvPr id="88" name="Picture 87"/>
+              <p:cNvPicPr>
+                <a:picLocks noChangeAspect="1"/>
+              </p:cNvPicPr>
+              <p:nvPr/>
+            </p:nvPicPr>
+            <p:blipFill>
+              <a:blip r:embed="rId4" cstate="print">
+                <a:lum bright="70000" contrast="-70000"/>
+                <a:extLst>
+                  <a:ext uri="{28A0092B-C50C-407E-A947-70E740481C1C}">
+                    <a14:useLocalDpi xmlns:a14="http://schemas.microsoft.com/office/drawing/2010/main" val="0"/>
+                  </a:ext>
+                </a:extLst>
+              </a:blip>
+              <a:stretch>
+                <a:fillRect/>
+              </a:stretch>
+            </p:blipFill>
+            <p:spPr>
+              <a:xfrm>
+                <a:off x="758968" y="2491578"/>
+                <a:ext cx="248238" cy="242888"/>
+              </a:xfrm>
+              <a:prstGeom prst="rect">
+                <a:avLst/>
+              </a:prstGeom>
+            </p:spPr>
+          </p:pic>
+          <p:sp>
+            <p:nvSpPr>
+              <p:cNvPr id="89" name="TextBox 88"/>
+              <p:cNvSpPr txBox="1"/>
+              <p:nvPr/>
+            </p:nvSpPr>
+            <p:spPr>
+              <a:xfrm>
+                <a:off x="988457" y="2451830"/>
+                <a:ext cx="1853777" cy="338554"/>
+              </a:xfrm>
+              <a:prstGeom prst="rect">
+                <a:avLst/>
+              </a:prstGeom>
+              <a:noFill/>
+            </p:spPr>
+            <p:txBody>
+              <a:bodyPr wrap="none" rtlCol="0">
+                <a:spAutoFit/>
+              </a:bodyPr>
+              <a:lstStyle/>
+              <a:p>
+                <a:r>
+                  <a:rPr lang="en-US" sz="1600" dirty="0" err="1" smtClean="0">
+                    <a:solidFill>
+                      <a:schemeClr val="bg1"/>
+                    </a:solidFill>
+                  </a:rPr>
+                  <a:t>DevZest.Data.MySql</a:t>
+                </a:r>
+                <a:endParaRPr lang="en-US" sz="1600" dirty="0">
+                  <a:solidFill>
+                    <a:schemeClr val="bg1"/>
+                  </a:solidFill>
+                </a:endParaRPr>
+              </a:p>
+            </p:txBody>
+          </p:sp>
+        </p:grpSp>
+      </p:grpSp>
+      <p:grpSp>
+        <p:nvGrpSpPr>
+          <p:cNvPr id="23" name="Group 22"/>
+          <p:cNvGrpSpPr/>
+          <p:nvPr/>
+        </p:nvGrpSpPr>
+        <p:grpSpPr>
+          <a:xfrm>
+            <a:off x="3522919" y="5354879"/>
+            <a:ext cx="2945467" cy="427200"/>
+            <a:chOff x="550572" y="1248219"/>
+            <a:chExt cx="2945467" cy="427200"/>
+          </a:xfrm>
+        </p:grpSpPr>
+        <p:sp>
+          <p:nvSpPr>
+            <p:cNvPr id="91" name="TextBox 90"/>
+            <p:cNvSpPr txBox="1"/>
+            <p:nvPr/>
+          </p:nvSpPr>
+          <p:spPr>
+            <a:xfrm>
+              <a:off x="550572" y="1248219"/>
+              <a:ext cx="2945467" cy="427200"/>
+            </a:xfrm>
+            <a:prstGeom prst="rect">
+              <a:avLst/>
+            </a:prstGeom>
+            <a:solidFill>
+              <a:srgbClr val="7030A0"/>
+            </a:solidFill>
+            <a:ln w="25400">
+              <a:solidFill>
+                <a:schemeClr val="bg1"/>
+              </a:solidFill>
+            </a:ln>
+          </p:spPr>
+          <p:txBody>
+            <a:bodyPr wrap="square" rtlCol="0">
+              <a:noAutofit/>
+            </a:bodyPr>
+            <a:lstStyle/>
+            <a:p>
+              <a:endParaRPr lang="en-US" dirty="0">
+                <a:solidFill>
+                  <a:schemeClr val="bg1"/>
+                </a:solidFill>
+              </a:endParaRPr>
+            </a:p>
+          </p:txBody>
+        </p:sp>
+        <p:grpSp>
+          <p:nvGrpSpPr>
+            <p:cNvPr id="92" name="Group 91"/>
+            <p:cNvGrpSpPr/>
+            <p:nvPr/>
+          </p:nvGrpSpPr>
+          <p:grpSpPr>
+            <a:xfrm>
+              <a:off x="661926" y="1298356"/>
+              <a:ext cx="2075251" cy="338554"/>
+              <a:chOff x="758968" y="2451830"/>
+              <a:chExt cx="2075251" cy="338554"/>
+            </a:xfrm>
+          </p:grpSpPr>
+          <p:pic>
+            <p:nvPicPr>
+              <p:cNvPr id="93" name="Picture 92"/>
+              <p:cNvPicPr>
+                <a:picLocks noChangeAspect="1"/>
+              </p:cNvPicPr>
+              <p:nvPr/>
+            </p:nvPicPr>
+            <p:blipFill>
+              <a:blip r:embed="rId4" cstate="print">
+                <a:lum bright="70000" contrast="-70000"/>
+                <a:extLst>
+                  <a:ext uri="{28A0092B-C50C-407E-A947-70E740481C1C}">
+                    <a14:useLocalDpi xmlns:a14="http://schemas.microsoft.com/office/drawing/2010/main" val="0"/>
+                  </a:ext>
+                </a:extLst>
+              </a:blip>
+              <a:stretch>
+                <a:fillRect/>
+              </a:stretch>
+            </p:blipFill>
+            <p:spPr>
+              <a:xfrm>
+                <a:off x="758968" y="2491578"/>
+                <a:ext cx="248238" cy="242888"/>
+              </a:xfrm>
+              <a:prstGeom prst="rect">
+                <a:avLst/>
+              </a:prstGeom>
+            </p:spPr>
+          </p:pic>
+          <p:sp>
+            <p:nvSpPr>
+              <p:cNvPr id="94" name="TextBox 93"/>
+              <p:cNvSpPr txBox="1"/>
+              <p:nvPr/>
+            </p:nvSpPr>
+            <p:spPr>
+              <a:xfrm>
+                <a:off x="988457" y="2451830"/>
+                <a:ext cx="1845762" cy="338554"/>
+              </a:xfrm>
+              <a:prstGeom prst="rect">
+                <a:avLst/>
+              </a:prstGeom>
+              <a:noFill/>
+            </p:spPr>
+            <p:txBody>
+              <a:bodyPr wrap="none" rtlCol="0">
+                <a:spAutoFit/>
+              </a:bodyPr>
+              <a:lstStyle/>
+              <a:p>
+                <a:r>
+                  <a:rPr lang="en-US" sz="1600" dirty="0" err="1" smtClean="0">
+                    <a:solidFill>
+                      <a:schemeClr val="bg1"/>
+                    </a:solidFill>
+                  </a:rPr>
+                  <a:t>DevZest.Data.DbInit</a:t>
+                </a:r>
+                <a:endParaRPr lang="en-US" sz="1600" dirty="0">
+                  <a:solidFill>
+                    <a:schemeClr val="bg1"/>
+                  </a:solidFill>
+                </a:endParaRPr>
+              </a:p>
+            </p:txBody>
+          </p:sp>
+        </p:grpSp>
+      </p:grpSp>
+      <p:grpSp>
+        <p:nvGrpSpPr>
+          <p:cNvPr id="26" name="Group 25"/>
+          <p:cNvGrpSpPr/>
+          <p:nvPr/>
+        </p:nvGrpSpPr>
+        <p:grpSpPr>
+          <a:xfrm>
+            <a:off x="3522919" y="5897344"/>
+            <a:ext cx="2945467" cy="427200"/>
+            <a:chOff x="688806" y="795781"/>
+            <a:chExt cx="2945467" cy="427200"/>
+          </a:xfrm>
+        </p:grpSpPr>
+        <p:sp>
+          <p:nvSpPr>
+            <p:cNvPr id="96" name="TextBox 95"/>
+            <p:cNvSpPr txBox="1"/>
+            <p:nvPr/>
+          </p:nvSpPr>
+          <p:spPr>
+            <a:xfrm>
+              <a:off x="688806" y="795781"/>
+              <a:ext cx="2945467" cy="427200"/>
+            </a:xfrm>
+            <a:prstGeom prst="rect">
+              <a:avLst/>
+            </a:prstGeom>
+            <a:solidFill>
+              <a:srgbClr val="7030A0"/>
+            </a:solidFill>
+            <a:ln w="25400">
+              <a:solidFill>
+                <a:schemeClr val="bg1"/>
+              </a:solidFill>
+            </a:ln>
+          </p:spPr>
+          <p:txBody>
+            <a:bodyPr wrap="square" rtlCol="0">
+              <a:noAutofit/>
+            </a:bodyPr>
+            <a:lstStyle/>
+            <a:p>
+              <a:endParaRPr lang="en-US" dirty="0">
+                <a:solidFill>
+                  <a:schemeClr val="bg1"/>
+                </a:solidFill>
+              </a:endParaRPr>
+            </a:p>
+          </p:txBody>
+        </p:sp>
+        <p:sp>
+          <p:nvSpPr>
+            <p:cNvPr id="99" name="TextBox 98"/>
+            <p:cNvSpPr txBox="1"/>
+            <p:nvPr/>
+          </p:nvSpPr>
+          <p:spPr>
+            <a:xfrm>
+              <a:off x="1029649" y="845918"/>
+              <a:ext cx="2098588" cy="338554"/>
+            </a:xfrm>
+            <a:prstGeom prst="rect">
+              <a:avLst/>
+            </a:prstGeom>
+            <a:noFill/>
+          </p:spPr>
+          <p:txBody>
+            <a:bodyPr wrap="none" rtlCol="0">
+              <a:spAutoFit/>
+            </a:bodyPr>
+            <a:lstStyle/>
+            <a:p>
+              <a:r>
+                <a:rPr lang="en-US" sz="1600" dirty="0" err="1" smtClean="0">
+                  <a:solidFill>
+                    <a:schemeClr val="bg1"/>
+                  </a:solidFill>
+                </a:rPr>
+                <a:t>DevZest.Data</a:t>
+              </a:r>
+              <a:r>
+                <a:rPr lang="en-US" sz="1600" dirty="0" err="1" smtClean="0">
+                  <a:solidFill>
+                    <a:schemeClr val="bg1"/>
+                  </a:solidFill>
+                </a:rPr>
+                <a:t>.Tools.vsix</a:t>
+              </a:r>
+              <a:endParaRPr lang="en-US" sz="1600" dirty="0">
+                <a:solidFill>
+                  <a:schemeClr val="bg1"/>
+                </a:solidFill>
+              </a:endParaRPr>
+            </a:p>
+          </p:txBody>
+        </p:sp>
+        <p:pic>
+          <p:nvPicPr>
+            <p:cNvPr id="100" name="Picture 4" descr="See the source image"/>
+            <p:cNvPicPr>
+              <a:picLocks noChangeAspect="1" noChangeArrowheads="1"/>
+            </p:cNvPicPr>
+            <p:nvPr/>
+          </p:nvPicPr>
+          <p:blipFill>
+            <a:blip r:embed="rId5" cstate="print">
+              <a:lum bright="70000" contrast="-70000"/>
+              <a:extLst>
+                <a:ext uri="{28A0092B-C50C-407E-A947-70E740481C1C}">
+                  <a14:useLocalDpi xmlns:a14="http://schemas.microsoft.com/office/drawing/2010/main" val="0"/>
+                </a:ext>
+              </a:extLst>
+            </a:blip>
+            <a:srcRect/>
+            <a:stretch>
+              <a:fillRect/>
+            </a:stretch>
+          </p:blipFill>
+          <p:spPr bwMode="auto">
+            <a:xfrm>
+              <a:off x="827686" y="908399"/>
+              <a:ext cx="201963" cy="201963"/>
+            </a:xfrm>
+            <a:prstGeom prst="rect">
+              <a:avLst/>
+            </a:prstGeom>
+            <a:noFill/>
+            <a:extLst>
+              <a:ext uri="{909E8E84-426E-40DD-AFC4-6F175D3DCCD1}">
+                <a14:hiddenFill xmlns:a14="http://schemas.microsoft.com/office/drawing/2010/main">
+                  <a:solidFill>
+                    <a:srgbClr val="FFFFFF"/>
+                  </a:solidFill>
+                </a14:hiddenFill>
+              </a:ext>
+            </a:extLst>
+          </p:spPr>
+        </p:pic>
+      </p:grpSp>
+      <p:grpSp>
+        <p:nvGrpSpPr>
+          <p:cNvPr id="27" name="Group 26"/>
+          <p:cNvGrpSpPr/>
+          <p:nvPr/>
+        </p:nvGrpSpPr>
+        <p:grpSpPr>
+          <a:xfrm>
+            <a:off x="6698018" y="5863896"/>
+            <a:ext cx="2945467" cy="427200"/>
+            <a:chOff x="577452" y="610969"/>
+            <a:chExt cx="2945467" cy="427200"/>
+          </a:xfrm>
+        </p:grpSpPr>
+        <p:sp>
+          <p:nvSpPr>
+            <p:cNvPr id="103" name="TextBox 102"/>
+            <p:cNvSpPr txBox="1"/>
+            <p:nvPr/>
+          </p:nvSpPr>
+          <p:spPr>
+            <a:xfrm>
+              <a:off x="577452" y="610969"/>
+              <a:ext cx="2945467" cy="427200"/>
+            </a:xfrm>
+            <a:prstGeom prst="rect">
+              <a:avLst/>
+            </a:prstGeom>
+            <a:solidFill>
+              <a:srgbClr val="7030A0"/>
+            </a:solidFill>
+            <a:ln w="25400">
+              <a:solidFill>
+                <a:schemeClr val="bg1"/>
+              </a:solidFill>
+            </a:ln>
+          </p:spPr>
+          <p:txBody>
+            <a:bodyPr wrap="square" rtlCol="0">
+              <a:noAutofit/>
+            </a:bodyPr>
+            <a:lstStyle/>
+            <a:p>
+              <a:endParaRPr lang="en-US" dirty="0">
+                <a:solidFill>
+                  <a:schemeClr val="bg1"/>
+                </a:solidFill>
+              </a:endParaRPr>
+            </a:p>
+          </p:txBody>
+        </p:sp>
+        <p:sp>
+          <p:nvSpPr>
+            <p:cNvPr id="104" name="TextBox 103"/>
+            <p:cNvSpPr txBox="1"/>
+            <p:nvPr/>
+          </p:nvSpPr>
+          <p:spPr>
+            <a:xfrm>
+              <a:off x="918295" y="661106"/>
+              <a:ext cx="2148152" cy="338554"/>
+            </a:xfrm>
+            <a:prstGeom prst="rect">
+              <a:avLst/>
+            </a:prstGeom>
+            <a:noFill/>
+          </p:spPr>
+          <p:txBody>
+            <a:bodyPr wrap="none" rtlCol="0">
+              <a:spAutoFit/>
+            </a:bodyPr>
+            <a:lstStyle/>
+            <a:p>
+              <a:r>
+                <a:rPr lang="en-US" sz="1600" dirty="0" smtClean="0">
+                  <a:solidFill>
+                    <a:schemeClr val="bg1"/>
+                  </a:solidFill>
+                </a:rPr>
+                <a:t>https://my.devzest.com</a:t>
+              </a:r>
+              <a:endParaRPr lang="en-US" sz="1600" dirty="0">
+                <a:solidFill>
+                  <a:schemeClr val="bg1"/>
+                </a:solidFill>
+              </a:endParaRPr>
+            </a:p>
+          </p:txBody>
+        </p:sp>
+        <p:pic>
+          <p:nvPicPr>
+            <p:cNvPr id="106" name="Picture 105"/>
+            <p:cNvPicPr>
+              <a:picLocks noChangeAspect="1"/>
+            </p:cNvPicPr>
+            <p:nvPr/>
+          </p:nvPicPr>
+          <p:blipFill>
+            <a:blip r:embed="rId6">
+              <a:extLst>
+                <a:ext uri="{28A0092B-C50C-407E-A947-70E740481C1C}">
+                  <a14:useLocalDpi xmlns:a14="http://schemas.microsoft.com/office/drawing/2010/main" val="0"/>
+                </a:ext>
+              </a:extLst>
+            </a:blip>
+            <a:stretch>
+              <a:fillRect/>
+            </a:stretch>
+          </p:blipFill>
+          <p:spPr>
+            <a:xfrm>
+              <a:off x="709375" y="720109"/>
+              <a:ext cx="208920" cy="208920"/>
+            </a:xfrm>
+            <a:prstGeom prst="rect">
+              <a:avLst/>
+            </a:prstGeom>
+          </p:spPr>
+        </p:pic>
+      </p:grpSp>
+      <p:sp>
+        <p:nvSpPr>
+          <p:cNvPr id="29" name="Pentagon 28"/>
+          <p:cNvSpPr/>
+          <p:nvPr/>
+        </p:nvSpPr>
+        <p:spPr>
+          <a:xfrm rot="16200000">
+            <a:off x="1941690" y="5078236"/>
+            <a:ext cx="1905908" cy="817233"/>
+          </a:xfrm>
+          <a:prstGeom prst="homePlate">
+            <a:avLst/>
+          </a:prstGeom>
+          <a:solidFill>
+            <a:srgbClr val="7030A0"/>
+          </a:solidFill>
+        </p:spPr>
+        <p:style>
+          <a:lnRef idx="2">
+            <a:schemeClr val="accent1">
+              <a:shade val="50000"/>
+            </a:schemeClr>
+          </a:lnRef>
+          <a:fillRef idx="1">
+            <a:schemeClr val="accent1"/>
+          </a:fillRef>
+          <a:effectRef idx="0">
+            <a:schemeClr val="accent1"/>
+          </a:effectRef>
+          <a:fontRef idx="minor">
+            <a:schemeClr val="lt1"/>
+          </a:fontRef>
+        </p:style>
+        <p:txBody>
+          <a:bodyPr rtlCol="0" anchor="ctr"/>
+          <a:lstStyle/>
+          <a:p>
+            <a:pPr algn="ctr"/>
+            <a:r>
+              <a:rPr lang="en-US" dirty="0" smtClean="0"/>
+              <a:t>Tools</a:t>
+            </a:r>
+            <a:endParaRPr lang="en-US" dirty="0"/>
+          </a:p>
+        </p:txBody>
+      </p:sp>
+      <p:sp>
+        <p:nvSpPr>
+          <p:cNvPr id="30" name="Chevron 29"/>
+          <p:cNvSpPr/>
+          <p:nvPr/>
+        </p:nvSpPr>
+        <p:spPr>
+          <a:xfrm rot="16200000">
+            <a:off x="1864062" y="3431839"/>
+            <a:ext cx="2058987" cy="815058"/>
+          </a:xfrm>
+          <a:prstGeom prst="chevron">
+            <a:avLst/>
+          </a:prstGeom>
+        </p:spPr>
+        <p:style>
+          <a:lnRef idx="2">
+            <a:schemeClr val="accent1">
+              <a:shade val="50000"/>
+            </a:schemeClr>
+          </a:lnRef>
+          <a:fillRef idx="1">
+            <a:schemeClr val="accent1"/>
+          </a:fillRef>
+          <a:effectRef idx="0">
+            <a:schemeClr val="accent1"/>
+          </a:effectRef>
+          <a:fontRef idx="minor">
+            <a:schemeClr val="lt1"/>
+          </a:fontRef>
+        </p:style>
+        <p:txBody>
+          <a:bodyPr rtlCol="0" anchor="ctr"/>
+          <a:lstStyle/>
+          <a:p>
+            <a:pPr algn="ctr"/>
+            <a:r>
+              <a:rPr lang="en-US" dirty="0" smtClean="0">
+                <a:solidFill>
+                  <a:schemeClr val="bg1"/>
+                </a:solidFill>
+              </a:rPr>
+              <a:t>Data</a:t>
+            </a:r>
+            <a:endParaRPr lang="en-US" dirty="0">
+              <a:solidFill>
+                <a:schemeClr val="bg1"/>
+              </a:solidFill>
+            </a:endParaRPr>
+          </a:p>
+        </p:txBody>
+      </p:sp>
+      <p:sp>
+        <p:nvSpPr>
+          <p:cNvPr id="107" name="Chevron 106"/>
+          <p:cNvSpPr/>
+          <p:nvPr/>
+        </p:nvSpPr>
+        <p:spPr>
+          <a:xfrm rot="16200000">
+            <a:off x="1625856" y="1469767"/>
+            <a:ext cx="2553839" cy="833501"/>
+          </a:xfrm>
+          <a:prstGeom prst="chevron">
+            <a:avLst/>
+          </a:prstGeom>
+        </p:spPr>
+        <p:style>
+          <a:lnRef idx="2">
+            <a:schemeClr val="accent1">
+              <a:shade val="50000"/>
+            </a:schemeClr>
+          </a:lnRef>
+          <a:fillRef idx="1">
+            <a:schemeClr val="accent1"/>
+          </a:fillRef>
+          <a:effectRef idx="0">
+            <a:schemeClr val="accent1"/>
+          </a:effectRef>
+          <a:fontRef idx="minor">
+            <a:schemeClr val="lt1"/>
+          </a:fontRef>
+        </p:style>
+        <p:txBody>
+          <a:bodyPr rtlCol="0" anchor="ctr"/>
+          <a:lstStyle/>
+          <a:p>
+            <a:pPr algn="ctr"/>
+            <a:r>
+              <a:rPr lang="en-US" dirty="0" smtClean="0">
+                <a:solidFill>
+                  <a:schemeClr val="bg1"/>
+                </a:solidFill>
+              </a:rPr>
+              <a:t>Presentation</a:t>
+            </a:r>
+            <a:endParaRPr lang="en-US" dirty="0">
+              <a:solidFill>
+                <a:schemeClr val="bg1"/>
+              </a:solidFill>
+            </a:endParaRPr>
+          </a:p>
+        </p:txBody>
+      </p:sp>
+    </p:spTree>
+    <p:extLst>
+      <p:ext uri="{BB962C8B-B14F-4D97-AF65-F5344CB8AC3E}">
+        <p14:creationId xmlns:p14="http://schemas.microsoft.com/office/powerpoint/2010/main" val="3371839497"/>
+      </p:ext>
+    </p:extLst>
+  </p:cSld>
+  <p:clrMapOvr>
+    <a:masterClrMapping/>
+  </p:clrMapOvr>
+</p:sld>
+</file>
+
 <file path=ppt/theme/theme1.xml><?xml version="1.0" encoding="utf-8"?>
 <a:theme xmlns:a="http://schemas.openxmlformats.org/drawingml/2006/main" name="Office Theme">
   <a:themeElements>

--- a/src/Docs/primitives/RdoNetOverview.pptx
+++ b/src/Docs/primitives/RdoNetOverview.pptx
@@ -244,7 +244,7 @@
           <a:p>
             <a:fld id="{E2DC313C-E62C-4C22-A1E0-847D782FC8C3}" type="datetimeFigureOut">
               <a:rPr lang="en-US" smtClean="0"/>
-              <a:t>9/9/2019</a:t>
+              <a:t>11/28/2019</a:t>
             </a:fld>
             <a:endParaRPr lang="en-US"/>
           </a:p>
@@ -414,7 +414,7 @@
           <a:p>
             <a:fld id="{E2DC313C-E62C-4C22-A1E0-847D782FC8C3}" type="datetimeFigureOut">
               <a:rPr lang="en-US" smtClean="0"/>
-              <a:t>9/9/2019</a:t>
+              <a:t>11/28/2019</a:t>
             </a:fld>
             <a:endParaRPr lang="en-US"/>
           </a:p>
@@ -594,7 +594,7 @@
           <a:p>
             <a:fld id="{E2DC313C-E62C-4C22-A1E0-847D782FC8C3}" type="datetimeFigureOut">
               <a:rPr lang="en-US" smtClean="0"/>
-              <a:t>9/9/2019</a:t>
+              <a:t>11/28/2019</a:t>
             </a:fld>
             <a:endParaRPr lang="en-US"/>
           </a:p>
@@ -764,7 +764,7 @@
           <a:p>
             <a:fld id="{E2DC313C-E62C-4C22-A1E0-847D782FC8C3}" type="datetimeFigureOut">
               <a:rPr lang="en-US" smtClean="0"/>
-              <a:t>9/9/2019</a:t>
+              <a:t>11/28/2019</a:t>
             </a:fld>
             <a:endParaRPr lang="en-US"/>
           </a:p>
@@ -1010,7 +1010,7 @@
           <a:p>
             <a:fld id="{E2DC313C-E62C-4C22-A1E0-847D782FC8C3}" type="datetimeFigureOut">
               <a:rPr lang="en-US" smtClean="0"/>
-              <a:t>9/9/2019</a:t>
+              <a:t>11/28/2019</a:t>
             </a:fld>
             <a:endParaRPr lang="en-US"/>
           </a:p>
@@ -1242,7 +1242,7 @@
           <a:p>
             <a:fld id="{E2DC313C-E62C-4C22-A1E0-847D782FC8C3}" type="datetimeFigureOut">
               <a:rPr lang="en-US" smtClean="0"/>
-              <a:t>9/9/2019</a:t>
+              <a:t>11/28/2019</a:t>
             </a:fld>
             <a:endParaRPr lang="en-US"/>
           </a:p>
@@ -1609,7 +1609,7 @@
           <a:p>
             <a:fld id="{E2DC313C-E62C-4C22-A1E0-847D782FC8C3}" type="datetimeFigureOut">
               <a:rPr lang="en-US" smtClean="0"/>
-              <a:t>9/9/2019</a:t>
+              <a:t>11/28/2019</a:t>
             </a:fld>
             <a:endParaRPr lang="en-US"/>
           </a:p>
@@ -1727,7 +1727,7 @@
           <a:p>
             <a:fld id="{E2DC313C-E62C-4C22-A1E0-847D782FC8C3}" type="datetimeFigureOut">
               <a:rPr lang="en-US" smtClean="0"/>
-              <a:t>9/9/2019</a:t>
+              <a:t>11/28/2019</a:t>
             </a:fld>
             <a:endParaRPr lang="en-US"/>
           </a:p>
@@ -1822,7 +1822,7 @@
           <a:p>
             <a:fld id="{E2DC313C-E62C-4C22-A1E0-847D782FC8C3}" type="datetimeFigureOut">
               <a:rPr lang="en-US" smtClean="0"/>
-              <a:t>9/9/2019</a:t>
+              <a:t>11/28/2019</a:t>
             </a:fld>
             <a:endParaRPr lang="en-US"/>
           </a:p>
@@ -2099,7 +2099,7 @@
           <a:p>
             <a:fld id="{E2DC313C-E62C-4C22-A1E0-847D782FC8C3}" type="datetimeFigureOut">
               <a:rPr lang="en-US" smtClean="0"/>
-              <a:t>9/9/2019</a:t>
+              <a:t>11/28/2019</a:t>
             </a:fld>
             <a:endParaRPr lang="en-US"/>
           </a:p>
@@ -2352,7 +2352,7 @@
           <a:p>
             <a:fld id="{E2DC313C-E62C-4C22-A1E0-847D782FC8C3}" type="datetimeFigureOut">
               <a:rPr lang="en-US" smtClean="0"/>
-              <a:t>9/9/2019</a:t>
+              <a:t>11/28/2019</a:t>
             </a:fld>
             <a:endParaRPr lang="en-US"/>
           </a:p>
@@ -2565,7 +2565,7 @@
           <a:p>
             <a:fld id="{E2DC313C-E62C-4C22-A1E0-847D782FC8C3}" type="datetimeFigureOut">
               <a:rPr lang="en-US" smtClean="0"/>
-              <a:t>9/9/2019</a:t>
+              <a:t>11/28/2019</a:t>
             </a:fld>
             <a:endParaRPr lang="en-US"/>
           </a:p>
@@ -3914,7 +3914,7 @@
         </p:nvGrpSpPr>
         <p:grpSpPr>
           <a:xfrm>
-            <a:off x="3944758" y="6095719"/>
+            <a:off x="3924208" y="6093851"/>
             <a:ext cx="2569349" cy="369332"/>
             <a:chOff x="645492" y="3759737"/>
             <a:chExt cx="2569349" cy="369332"/>
@@ -4411,7 +4411,7 @@
         </p:blipFill>
         <p:spPr>
           <a:xfrm>
-            <a:off x="6020684" y="6574352"/>
+            <a:off x="6931819" y="6569515"/>
             <a:ext cx="198751" cy="194468"/>
           </a:xfrm>
           <a:prstGeom prst="rect">
@@ -4427,7 +4427,7 @@
         </p:nvSpPr>
         <p:spPr>
           <a:xfrm>
-            <a:off x="6190374" y="6569582"/>
+            <a:off x="7101509" y="6564745"/>
             <a:ext cx="976549" cy="246221"/>
           </a:xfrm>
           <a:prstGeom prst="rect">
@@ -4476,7 +4476,7 @@
         </p:blipFill>
         <p:spPr bwMode="auto">
           <a:xfrm>
-            <a:off x="7337185" y="6591300"/>
+            <a:off x="8248320" y="6586463"/>
             <a:ext cx="201963" cy="201963"/>
           </a:xfrm>
           <a:prstGeom prst="rect">
@@ -4502,7 +4502,7 @@
         </p:nvSpPr>
         <p:spPr>
           <a:xfrm>
-            <a:off x="7525389" y="6564317"/>
+            <a:off x="8436524" y="6559480"/>
             <a:ext cx="1390124" cy="246221"/>
           </a:xfrm>
           <a:prstGeom prst="rect">
@@ -4617,14 +4617,14 @@
       </p:sp>
       <p:sp>
         <p:nvSpPr>
-          <p:cNvPr id="64" name="TextBox 63"/>
+          <p:cNvPr id="66" name="TextBox 65"/>
           <p:cNvSpPr txBox="1"/>
           <p:nvPr/>
         </p:nvSpPr>
         <p:spPr>
           <a:xfrm>
-            <a:off x="1221276" y="4439625"/>
-            <a:ext cx="2046596" cy="400110"/>
+            <a:off x="6209108" y="6564745"/>
+            <a:ext cx="650412" cy="246221"/>
           </a:xfrm>
           <a:prstGeom prst="rect">
             <a:avLst/>
@@ -4639,218 +4639,7 @@
           <a:p>
             <a:r>
               <a:rPr lang="en-US" sz="1000" dirty="0" smtClean="0"/>
-              <a:t>Free, source code available at </a:t>
-            </a:r>
-            <a:r>
-              <a:rPr lang="en-US" sz="1000" dirty="0" err="1" smtClean="0"/>
-              <a:t>github</a:t>
-            </a:r>
-            <a:r>
-              <a:rPr lang="en-US" sz="1000" dirty="0" smtClean="0"/>
-              <a:t>.</a:t>
-            </a:r>
-            <a:endParaRPr lang="en-US" sz="1000" dirty="0"/>
-          </a:p>
-        </p:txBody>
-      </p:sp>
-      <p:sp>
-        <p:nvSpPr>
-          <p:cNvPr id="65" name="TextBox 64"/>
-          <p:cNvSpPr txBox="1"/>
-          <p:nvPr/>
-        </p:nvSpPr>
-        <p:spPr>
-          <a:xfrm>
-            <a:off x="1221276" y="5563400"/>
-            <a:ext cx="2046596" cy="553998"/>
-          </a:xfrm>
-          <a:prstGeom prst="rect">
-            <a:avLst/>
-          </a:prstGeom>
-          <a:noFill/>
-        </p:spPr>
-        <p:txBody>
-          <a:bodyPr wrap="square" rtlCol="0">
-            <a:spAutoFit/>
-          </a:bodyPr>
-          <a:lstStyle/>
-          <a:p>
-            <a:r>
-              <a:rPr lang="en-US" sz="1000" dirty="0" smtClean="0"/>
-              <a:t>Free for Visual Studio Community Edition, subscription required for other editions.</a:t>
-            </a:r>
-            <a:endParaRPr lang="en-US" sz="1000" dirty="0"/>
-          </a:p>
-        </p:txBody>
-      </p:sp>
-      <p:sp>
-        <p:nvSpPr>
-          <p:cNvPr id="66" name="TextBox 65"/>
-          <p:cNvSpPr txBox="1"/>
-          <p:nvPr/>
-        </p:nvSpPr>
-        <p:spPr>
-          <a:xfrm>
-            <a:off x="5297973" y="6569582"/>
-            <a:ext cx="650412" cy="246221"/>
-          </a:xfrm>
-          <a:prstGeom prst="rect">
-            <a:avLst/>
-          </a:prstGeom>
-          <a:noFill/>
-        </p:spPr>
-        <p:txBody>
-          <a:bodyPr wrap="square" rtlCol="0">
-            <a:spAutoFit/>
-          </a:bodyPr>
-          <a:lstStyle/>
-          <a:p>
-            <a:r>
-              <a:rPr lang="en-US" sz="1000" dirty="0" smtClean="0"/>
               <a:t>Legend:</a:t>
-            </a:r>
-            <a:endParaRPr lang="en-US" sz="1000" dirty="0"/>
-          </a:p>
-        </p:txBody>
-      </p:sp>
-      <p:grpSp>
-        <p:nvGrpSpPr>
-          <p:cNvPr id="25" name="Group 24"/>
-          <p:cNvGrpSpPr/>
-          <p:nvPr/>
-        </p:nvGrpSpPr>
-        <p:grpSpPr>
-          <a:xfrm>
-            <a:off x="6736048" y="6095719"/>
-            <a:ext cx="2623706" cy="369332"/>
-            <a:chOff x="3869479" y="6076742"/>
-            <a:chExt cx="2623706" cy="369332"/>
-          </a:xfrm>
-        </p:grpSpPr>
-        <p:pic>
-          <p:nvPicPr>
-            <p:cNvPr id="24" name="Picture 23"/>
-            <p:cNvPicPr>
-              <a:picLocks noChangeAspect="1"/>
-            </p:cNvPicPr>
-            <p:nvPr/>
-          </p:nvPicPr>
-          <p:blipFill>
-            <a:blip r:embed="rId6">
-              <a:extLst>
-                <a:ext uri="{28A0092B-C50C-407E-A947-70E740481C1C}">
-                  <a14:useLocalDpi xmlns:a14="http://schemas.microsoft.com/office/drawing/2010/main" val="0"/>
-                </a:ext>
-              </a:extLst>
-            </a:blip>
-            <a:stretch>
-              <a:fillRect/>
-            </a:stretch>
-          </p:blipFill>
-          <p:spPr>
-            <a:xfrm>
-              <a:off x="3869479" y="6163895"/>
-              <a:ext cx="208920" cy="208920"/>
-            </a:xfrm>
-            <a:prstGeom prst="rect">
-              <a:avLst/>
-            </a:prstGeom>
-          </p:spPr>
-        </p:pic>
-        <p:sp>
-          <p:nvSpPr>
-            <p:cNvPr id="62" name="TextBox 61"/>
-            <p:cNvSpPr txBox="1"/>
-            <p:nvPr/>
-          </p:nvSpPr>
-          <p:spPr>
-            <a:xfrm>
-              <a:off x="4096119" y="6076742"/>
-              <a:ext cx="2397066" cy="369332"/>
-            </a:xfrm>
-            <a:prstGeom prst="rect">
-              <a:avLst/>
-            </a:prstGeom>
-            <a:noFill/>
-          </p:spPr>
-          <p:txBody>
-            <a:bodyPr wrap="none" rtlCol="0">
-              <a:spAutoFit/>
-            </a:bodyPr>
-            <a:lstStyle/>
-            <a:p>
-              <a:r>
-                <a:rPr lang="en-US" dirty="0" smtClean="0">
-                  <a:solidFill>
-                    <a:schemeClr val="bg1"/>
-                  </a:solidFill>
-                </a:rPr>
-                <a:t>https://my.devzest.com</a:t>
-              </a:r>
-              <a:endParaRPr lang="en-US" dirty="0">
-                <a:solidFill>
-                  <a:schemeClr val="bg1"/>
-                </a:solidFill>
-              </a:endParaRPr>
-            </a:p>
-          </p:txBody>
-        </p:sp>
-      </p:grpSp>
-      <p:pic>
-        <p:nvPicPr>
-          <p:cNvPr id="63" name="Picture 62"/>
-          <p:cNvPicPr>
-            <a:picLocks noChangeAspect="1"/>
-          </p:cNvPicPr>
-          <p:nvPr/>
-        </p:nvPicPr>
-        <p:blipFill>
-          <a:blip r:embed="rId6">
-            <a:extLst>
-              <a:ext uri="{28A0092B-C50C-407E-A947-70E740481C1C}">
-                <a14:useLocalDpi xmlns:a14="http://schemas.microsoft.com/office/drawing/2010/main" val="0"/>
-              </a:ext>
-            </a:extLst>
-          </a:blip>
-          <a:stretch>
-            <a:fillRect/>
-          </a:stretch>
-        </p:blipFill>
-        <p:spPr>
-          <a:xfrm>
-            <a:off x="8999257" y="6587022"/>
-            <a:ext cx="208920" cy="208920"/>
-          </a:xfrm>
-          <a:prstGeom prst="rect">
-            <a:avLst/>
-          </a:prstGeom>
-        </p:spPr>
-      </p:pic>
-      <p:sp>
-        <p:nvSpPr>
-          <p:cNvPr id="67" name="TextBox 66"/>
-          <p:cNvSpPr txBox="1"/>
-          <p:nvPr/>
-        </p:nvSpPr>
-        <p:spPr>
-          <a:xfrm>
-            <a:off x="9208177" y="6564317"/>
-            <a:ext cx="618471" cy="246221"/>
-          </a:xfrm>
-          <a:prstGeom prst="rect">
-            <a:avLst/>
-          </a:prstGeom>
-          <a:noFill/>
-        </p:spPr>
-        <p:txBody>
-          <a:bodyPr wrap="square" rtlCol="0">
-            <a:spAutoFit/>
-          </a:bodyPr>
-          <a:lstStyle/>
-          <a:p>
-            <a:r>
-              <a:rPr lang="en-US" sz="1000" dirty="0" smtClean="0"/>
-              <a:t>Website</a:t>
             </a:r>
             <a:endParaRPr lang="en-US" sz="1000" dirty="0"/>
           </a:p>
@@ -6404,15 +6193,7 @@
                     <a:schemeClr val="bg1"/>
                   </a:solidFill>
                 </a:rPr>
-                <a:t>DevZest.Data</a:t>
-              </a:r>
-              <a:r>
-                <a:rPr lang="en-US" sz="1600" dirty="0" err="1" smtClean="0">
-                  <a:solidFill>
-                    <a:schemeClr val="bg1"/>
-                  </a:solidFill>
-                </a:rPr>
-                <a:t>.Tools.vsix</a:t>
+                <a:t>DevZest.Data.Tools.vsix</a:t>
               </a:r>
               <a:endParaRPr lang="en-US" sz="1600" dirty="0">
                 <a:solidFill>
